--- a/Team 12 Datathon Presentation.pptx
+++ b/Team 12 Datathon Presentation.pptx
@@ -16,6 +16,7 @@
     <p:sldId id="266" r:id="rId10"/>
     <p:sldId id="267" r:id="rId11"/>
     <p:sldId id="268" r:id="rId12"/>
+    <p:sldId id="269" r:id="rId13"/>
   </p:sldIdLst>
   <p:sldSz cx="12192000" cy="6858000"/>
   <p:notesSz cx="6858000" cy="9144000"/>
@@ -3467,7 +3468,7 @@
             <a:pPr algn="r"/>
             <a:r>
               <a:rPr lang="en-US" dirty="0"/>
-              <a:t>Data Visualization - BAYZF</a:t>
+              <a:t>Data Visualization RF - BAYZF</a:t>
             </a:r>
           </a:p>
         </p:txBody>
@@ -3561,7 +3562,7 @@
             <a:pPr algn="r"/>
             <a:r>
               <a:rPr lang="en-US" dirty="0"/>
-              <a:t>Data Visualization - HON</a:t>
+              <a:t>Data Visualization RF - HON</a:t>
             </a:r>
           </a:p>
         </p:txBody>
@@ -3600,6 +3601,135 @@
     <p:extLst>
       <p:ext uri="{BB962C8B-B14F-4D97-AF65-F5344CB8AC3E}">
         <p14:creationId xmlns:p14="http://schemas.microsoft.com/office/powerpoint/2010/main" val="3007891215"/>
+      </p:ext>
+    </p:extLst>
+  </p:cSld>
+  <p:clrMapOvr>
+    <a:masterClrMapping/>
+  </p:clrMapOvr>
+</p:sld>
+</file>
+
+<file path=ppt/slides/slide12.xml><?xml version="1.0" encoding="utf-8"?>
+<p:sld xmlns:a="http://schemas.openxmlformats.org/drawingml/2006/main" xmlns:r="http://schemas.openxmlformats.org/officeDocument/2006/relationships" xmlns:p="http://schemas.openxmlformats.org/presentationml/2006/main">
+  <p:cSld>
+    <p:spTree>
+      <p:nvGrpSpPr>
+        <p:cNvPr id="1" name=""/>
+        <p:cNvGrpSpPr/>
+        <p:nvPr/>
+      </p:nvGrpSpPr>
+      <p:grpSpPr>
+        <a:xfrm>
+          <a:off x="0" y="0"/>
+          <a:ext cx="0" cy="0"/>
+          <a:chOff x="0" y="0"/>
+          <a:chExt cx="0" cy="0"/>
+        </a:xfrm>
+      </p:grpSpPr>
+      <p:sp>
+        <p:nvSpPr>
+          <p:cNvPr id="2" name="Title 1">
+            <a:extLst>
+              <a:ext uri="{FF2B5EF4-FFF2-40B4-BE49-F238E27FC236}">
+                <a16:creationId xmlns:a16="http://schemas.microsoft.com/office/drawing/2014/main" id="{A3ED965D-61D0-DB4E-BBA6-1501FF07D95C}"/>
+              </a:ext>
+            </a:extLst>
+          </p:cNvPr>
+          <p:cNvSpPr>
+            <a:spLocks noGrp="1"/>
+          </p:cNvSpPr>
+          <p:nvPr>
+            <p:ph type="title"/>
+          </p:nvPr>
+        </p:nvSpPr>
+        <p:spPr>
+          <a:xfrm>
+            <a:off x="1371600" y="320040"/>
+            <a:ext cx="10515600" cy="1325563"/>
+          </a:xfrm>
+        </p:spPr>
+        <p:txBody>
+          <a:bodyPr/>
+          <a:lstStyle/>
+          <a:p>
+            <a:pPr algn="r"/>
+            <a:r>
+              <a:rPr lang="en-US" dirty="0"/>
+              <a:t>Data Visualization LSTM - HON</a:t>
+            </a:r>
+          </a:p>
+        </p:txBody>
+      </p:sp>
+      <p:pic>
+        <p:nvPicPr>
+          <p:cNvPr id="8" name="Picture 7">
+            <a:extLst>
+              <a:ext uri="{FF2B5EF4-FFF2-40B4-BE49-F238E27FC236}">
+                <a16:creationId xmlns:a16="http://schemas.microsoft.com/office/drawing/2014/main" id="{37035BF6-4AFD-4640-9A67-FDB723603E13}"/>
+              </a:ext>
+            </a:extLst>
+          </p:cNvPr>
+          <p:cNvPicPr>
+            <a:picLocks noChangeAspect="1"/>
+          </p:cNvPicPr>
+          <p:nvPr/>
+        </p:nvPicPr>
+        <p:blipFill>
+          <a:blip r:embed="rId2"/>
+          <a:stretch>
+            <a:fillRect/>
+          </a:stretch>
+        </p:blipFill>
+        <p:spPr>
+          <a:xfrm>
+            <a:off x="5143915" y="1645603"/>
+            <a:ext cx="6402179" cy="4784264"/>
+          </a:xfrm>
+          <a:prstGeom prst="rect">
+            <a:avLst/>
+          </a:prstGeom>
+        </p:spPr>
+      </p:pic>
+      <p:sp>
+        <p:nvSpPr>
+          <p:cNvPr id="3" name="TextBox 2">
+            <a:extLst>
+              <a:ext uri="{FF2B5EF4-FFF2-40B4-BE49-F238E27FC236}">
+                <a16:creationId xmlns:a16="http://schemas.microsoft.com/office/drawing/2014/main" id="{91C79CD1-359D-554F-BE38-47C12EFB8C3C}"/>
+              </a:ext>
+            </a:extLst>
+          </p:cNvPr>
+          <p:cNvSpPr txBox="1"/>
+          <p:nvPr/>
+        </p:nvSpPr>
+        <p:spPr>
+          <a:xfrm>
+            <a:off x="3880883" y="6429867"/>
+            <a:ext cx="3013967" cy="369332"/>
+          </a:xfrm>
+          <a:prstGeom prst="rect">
+            <a:avLst/>
+          </a:prstGeom>
+          <a:noFill/>
+        </p:spPr>
+        <p:txBody>
+          <a:bodyPr wrap="none" rtlCol="0">
+            <a:spAutoFit/>
+          </a:bodyPr>
+          <a:lstStyle/>
+          <a:p>
+            <a:r>
+              <a:rPr lang="en-US" dirty="0"/>
+              <a:t>Prediction 10 days in advance </a:t>
+            </a:r>
+          </a:p>
+        </p:txBody>
+      </p:sp>
+    </p:spTree>
+    <p:extLst>
+      <p:ext uri="{BB962C8B-B14F-4D97-AF65-F5344CB8AC3E}">
+        <p14:creationId xmlns:p14="http://schemas.microsoft.com/office/powerpoint/2010/main" val="3300760008"/>
       </p:ext>
     </p:extLst>
   </p:cSld>
@@ -4881,7 +5011,7 @@
             <a:pPr algn="r"/>
             <a:r>
               <a:rPr lang="en-US" dirty="0"/>
-              <a:t>Data Visualization - SYF</a:t>
+              <a:t>Data Visualization RF - SYF</a:t>
             </a:r>
           </a:p>
         </p:txBody>
@@ -4975,7 +5105,7 @@
             <a:pPr algn="r"/>
             <a:r>
               <a:rPr lang="en-US" dirty="0"/>
-              <a:t>Data Visualization - MMM</a:t>
+              <a:t>Data Visualization RF - MMM</a:t>
             </a:r>
           </a:p>
         </p:txBody>

--- a/Team 12 Datathon Presentation.pptx
+++ b/Team 12 Datathon Presentation.pptx
@@ -3793,7 +3793,7 @@
             <a:pPr algn="ctr"/>
             <a:r>
               <a:rPr lang="en-US" dirty="0"/>
-              <a:t>Theoretical Architecture</a:t>
+              <a:t>Model Architecture</a:t>
             </a:r>
           </a:p>
         </p:txBody>
@@ -3842,7 +3842,7 @@
             <a:pPr algn="ctr"/>
             <a:r>
               <a:rPr lang="en-US" dirty="0"/>
-              <a:t>NLP</a:t>
+              <a:t>Stock-oriented NLP model</a:t>
             </a:r>
           </a:p>
         </p:txBody>
@@ -3940,7 +3940,7 @@
             <a:pPr algn="ctr"/>
             <a:r>
               <a:rPr lang="en-US" dirty="0"/>
-              <a:t>RF</a:t>
+              <a:t>Random Forest</a:t>
             </a:r>
           </a:p>
         </p:txBody>
@@ -4493,57 +4493,203 @@
           </a:p>
         </p:txBody>
       </p:sp>
-      <p:sp>
-        <p:nvSpPr>
-          <p:cNvPr id="3" name="Content Placeholder 2">
-            <a:extLst>
-              <a:ext uri="{FF2B5EF4-FFF2-40B4-BE49-F238E27FC236}">
-                <a16:creationId xmlns:a16="http://schemas.microsoft.com/office/drawing/2014/main" id="{6D63302C-F77A-2E4B-BEBA-4FB91F900477}"/>
-              </a:ext>
-            </a:extLst>
-          </p:cNvPr>
-          <p:cNvSpPr>
-            <a:spLocks noGrp="1"/>
-          </p:cNvSpPr>
-          <p:nvPr>
-            <p:ph idx="1"/>
-          </p:nvPr>
-        </p:nvSpPr>
-        <p:spPr>
-          <a:xfrm>
-            <a:off x="3742660" y="1825625"/>
-            <a:ext cx="7611140" cy="4351338"/>
-          </a:xfrm>
-        </p:spPr>
-        <p:txBody>
-          <a:bodyPr/>
-          <a:lstStyle/>
-          <a:p>
-            <a:r>
-              <a:rPr lang="en-US" dirty="0"/>
-              <a:t>The NLP component of the Siamese inspired net take gets 5 articles per company analyzed per day of trading</a:t>
-            </a:r>
-          </a:p>
-          <a:p>
-            <a:r>
-              <a:rPr lang="en-US" dirty="0"/>
-              <a:t>The algorithm then analyzes sentiment for each article and normalizes this data </a:t>
-            </a:r>
-          </a:p>
-          <a:p>
-            <a:r>
-              <a:rPr lang="en-US" dirty="0"/>
-              <a:t>The training set for the sentiment analysis is 1500 articles and how it impacts stock price for the day of 10 different companies. </a:t>
-            </a:r>
-          </a:p>
-          <a:p>
-            <a:r>
-              <a:rPr lang="en-US" dirty="0"/>
-              <a:t>The sentiment analysis is then fed into the next two components of the neural network. </a:t>
-            </a:r>
-          </a:p>
-        </p:txBody>
-      </p:sp>
+      <mc:AlternateContent xmlns:mc="http://schemas.openxmlformats.org/markup-compatibility/2006">
+        <mc:Choice xmlns:a14="http://schemas.microsoft.com/office/drawing/2010/main" Requires="a14">
+          <p:sp>
+            <p:nvSpPr>
+              <p:cNvPr id="3" name="Content Placeholder 2">
+                <a:extLst>
+                  <a:ext uri="{FF2B5EF4-FFF2-40B4-BE49-F238E27FC236}">
+                    <a16:creationId xmlns:a16="http://schemas.microsoft.com/office/drawing/2014/main" id="{6D63302C-F77A-2E4B-BEBA-4FB91F900477}"/>
+                  </a:ext>
+                </a:extLst>
+              </p:cNvPr>
+              <p:cNvSpPr>
+                <a:spLocks noGrp="1"/>
+              </p:cNvSpPr>
+              <p:nvPr>
+                <p:ph idx="1"/>
+              </p:nvPr>
+            </p:nvSpPr>
+            <p:spPr>
+              <a:xfrm>
+                <a:off x="3742660" y="1825625"/>
+                <a:ext cx="7793666" cy="4351338"/>
+              </a:xfrm>
+            </p:spPr>
+            <p:txBody>
+              <a:bodyPr>
+                <a:normAutofit fontScale="70000" lnSpcReduction="20000"/>
+              </a:bodyPr>
+              <a:lstStyle/>
+              <a:p>
+                <a:r>
+                  <a:rPr lang="en-US" dirty="0"/>
+                  <a:t>After trying existing sentiment analysis datasets, we decided to create our own “dataset”</a:t>
+                </a:r>
+              </a:p>
+              <a:p>
+                <a:r>
+                  <a:rPr lang="en-US" i="1" dirty="0"/>
+                  <a:t>How?</a:t>
+                </a:r>
+              </a:p>
+              <a:p>
+                <a:pPr marL="514350" indent="-514350">
+                  <a:buFont typeface="+mj-lt"/>
+                  <a:buAutoNum type="arabicPeriod"/>
+                </a:pPr>
+                <a:r>
+                  <a:rPr lang="en-US" dirty="0"/>
+                  <a:t>We used the Google News API to pull the top 5 articles for a given company at a given date (the search was time-filtered)</a:t>
+                </a:r>
+              </a:p>
+              <a:p>
+                <a:pPr marL="514350" indent="-514350">
+                  <a:buFont typeface="+mj-lt"/>
+                  <a:buAutoNum type="arabicPeriod"/>
+                </a:pPr>
+                <a:r>
+                  <a:rPr lang="en-US" dirty="0"/>
+                  <a:t>We then correlated the sentences in the data with a </a:t>
+                </a:r>
+                <a14:m>
+                  <m:oMath xmlns:m="http://schemas.openxmlformats.org/officeDocument/2006/math">
+                    <m:f>
+                      <m:fPr>
+                        <m:ctrlPr>
+                          <a:rPr lang="pt" i="1" smtClean="0">
+                            <a:latin typeface="Cambria Math" panose="02040503050406030204" pitchFamily="18" charset="0"/>
+                          </a:rPr>
+                        </m:ctrlPr>
+                      </m:fPr>
+                      <m:num>
+                        <m:r>
+                          <a:rPr lang="en-US" b="0" i="1" smtClean="0">
+                            <a:latin typeface="Cambria Math" panose="02040503050406030204" pitchFamily="18" charset="0"/>
+                          </a:rPr>
+                          <m:t>𝑜𝑝𝑒𝑛</m:t>
+                        </m:r>
+                        <m:r>
+                          <a:rPr lang="en-US" b="0" i="1" smtClean="0">
+                            <a:latin typeface="Cambria Math" panose="02040503050406030204" pitchFamily="18" charset="0"/>
+                          </a:rPr>
+                          <m:t>−</m:t>
+                        </m:r>
+                        <m:r>
+                          <a:rPr lang="en-US" b="0" i="1" smtClean="0">
+                            <a:latin typeface="Cambria Math" panose="02040503050406030204" pitchFamily="18" charset="0"/>
+                          </a:rPr>
+                          <m:t>𝑐𝑙𝑜𝑠𝑒</m:t>
+                        </m:r>
+                      </m:num>
+                      <m:den>
+                        <m:r>
+                          <a:rPr lang="en-US" b="0" i="1" smtClean="0">
+                            <a:latin typeface="Cambria Math" panose="02040503050406030204" pitchFamily="18" charset="0"/>
+                          </a:rPr>
+                          <m:t>𝑜𝑝𝑒𝑛</m:t>
+                        </m:r>
+                      </m:den>
+                    </m:f>
+                    <m:r>
+                      <a:rPr lang="en-US" b="0" i="0" smtClean="0">
+                        <a:latin typeface="Cambria Math" panose="02040503050406030204" pitchFamily="18" charset="0"/>
+                      </a:rPr>
+                      <m:t> </m:t>
+                    </m:r>
+                  </m:oMath>
+                </a14:m>
+                <a:r>
+                  <a:rPr lang="en-US" dirty="0"/>
+                  <a:t>ratio, which shows how much the stock ”changed”</a:t>
+                </a:r>
+              </a:p>
+              <a:p>
+                <a:pPr marL="514350" indent="-514350">
+                  <a:buFont typeface="+mj-lt"/>
+                  <a:buAutoNum type="arabicPeriod"/>
+                </a:pPr>
+                <a:r>
+                  <a:rPr lang="en-US" dirty="0"/>
+                  <a:t>We trained a model to find the pattern between sentences and the ratio using techniques in NLTK, </a:t>
+                </a:r>
+                <a:r>
+                  <a:rPr lang="en-US" dirty="0" err="1"/>
+                  <a:t>Sklearn</a:t>
+                </a:r>
+                <a:r>
+                  <a:rPr lang="en-US" dirty="0"/>
+                  <a:t>, and </a:t>
+                </a:r>
+                <a:r>
+                  <a:rPr lang="en-US" dirty="0" err="1"/>
+                  <a:t>TextBlob</a:t>
+                </a:r>
+                <a:r>
+                  <a:rPr lang="en-US" dirty="0"/>
+                  <a:t>. The accuracy was 84%</a:t>
+                </a:r>
+              </a:p>
+              <a:p>
+                <a:r>
+                  <a:rPr lang="en-US" dirty="0"/>
+                  <a:t>Using this home-brewed “stock-based sentiment analyzer” to add a numeric column representing sentiment to the preprocessing data steps</a:t>
+                </a:r>
+              </a:p>
+              <a:p>
+                <a:r>
+                  <a:rPr lang="en-US" dirty="0"/>
+                  <a:t>This NLP component was the core of our “Siamese” approach, as the sentiment analysis fed into the next two components of the model.</a:t>
+                </a:r>
+              </a:p>
+            </p:txBody>
+          </p:sp>
+        </mc:Choice>
+        <mc:Fallback>
+          <p:sp>
+            <p:nvSpPr>
+              <p:cNvPr id="3" name="Content Placeholder 2">
+                <a:extLst>
+                  <a:ext uri="{FF2B5EF4-FFF2-40B4-BE49-F238E27FC236}">
+                    <a16:creationId xmlns:a16="http://schemas.microsoft.com/office/drawing/2014/main" id="{6D63302C-F77A-2E4B-BEBA-4FB91F900477}"/>
+                  </a:ext>
+                </a:extLst>
+              </p:cNvPr>
+              <p:cNvSpPr>
+                <a:spLocks noGrp="1" noRot="1" noChangeAspect="1" noMove="1" noResize="1" noEditPoints="1" noAdjustHandles="1" noChangeArrowheads="1" noChangeShapeType="1" noTextEdit="1"/>
+              </p:cNvSpPr>
+              <p:nvPr>
+                <p:ph idx="1"/>
+              </p:nvPr>
+            </p:nvSpPr>
+            <p:spPr>
+              <a:xfrm>
+                <a:off x="3742660" y="1825625"/>
+                <a:ext cx="7793666" cy="4351338"/>
+              </a:xfrm>
+              <a:blipFill>
+                <a:blip r:embed="rId2"/>
+                <a:stretch>
+                  <a:fillRect l="-814" t="-2924" r="-1140"/>
+                </a:stretch>
+              </a:blipFill>
+            </p:spPr>
+            <p:txBody>
+              <a:bodyPr/>
+              <a:lstStyle/>
+              <a:p>
+                <a:r>
+                  <a:rPr lang="en-US">
+                    <a:noFill/>
+                  </a:rPr>
+                  <a:t> </a:t>
+                </a:r>
+              </a:p>
+            </p:txBody>
+          </p:sp>
+        </mc:Fallback>
+      </mc:AlternateContent>
     </p:spTree>
     <p:extLst>
       <p:ext uri="{BB962C8B-B14F-4D97-AF65-F5344CB8AC3E}">
@@ -4632,31 +4778,45 @@
         </p:spPr>
         <p:txBody>
           <a:bodyPr>
-            <a:normAutofit/>
+            <a:normAutofit fontScale="92500" lnSpcReduction="10000"/>
           </a:bodyPr>
           <a:lstStyle/>
           <a:p>
             <a:r>
               <a:rPr lang="en-US" dirty="0"/>
-              <a:t>The RF algorithm is used for short term trading. </a:t>
+              <a:t>The Random Forest algorithm is used for short term trading.</a:t>
             </a:r>
           </a:p>
           <a:p>
             <a:r>
               <a:rPr lang="en-US" dirty="0"/>
-              <a:t>It can be implemented for minute by minute trading </a:t>
-            </a:r>
-          </a:p>
-          <a:p>
+              <a:t>The model can predict next day closing prices with an R</a:t>
+            </a:r>
+            <a:r>
+              <a:rPr lang="en-US" baseline="30000" dirty="0"/>
+              <a:t>2</a:t>
+            </a:r>
             <a:r>
               <a:rPr lang="en-US" dirty="0"/>
-              <a:t>Given the opening price it can reliably predict the closing price. Because of this RF is very useful for rebalancing the LSTM part of the neural net. </a:t>
+              <a:t> of 0.938, but only in a short-term, day-by-day context</a:t>
             </a:r>
           </a:p>
           <a:p>
             <a:r>
               <a:rPr lang="en-US" dirty="0"/>
-              <a:t>Once the closing price this can be fed into LSTM so that it can adjust its predictions for the long term investing strategy. </a:t>
+              <a:t>It integrates with the long-term LSTM’s closing price predictions, the results from the NLP analysis, and historical data</a:t>
+            </a:r>
+          </a:p>
+          <a:p>
+            <a:r>
+              <a:rPr lang="en-US" dirty="0"/>
+              <a:t>This approach balances the weaknesses of each model </a:t>
+            </a:r>
+          </a:p>
+          <a:p>
+            <a:r>
+              <a:rPr lang="en-US" dirty="0"/>
+              <a:t>It can be implemented for minute by minute trading, and it could have real-time synchronization with Google News for speedy updated predictions</a:t>
             </a:r>
           </a:p>
         </p:txBody>
@@ -4866,26 +5026,31 @@
         </p:spPr>
         <p:txBody>
           <a:bodyPr>
-            <a:normAutofit/>
+            <a:normAutofit lnSpcReduction="10000"/>
           </a:bodyPr>
           <a:lstStyle/>
           <a:p>
             <a:r>
               <a:rPr lang="en-US" dirty="0"/>
-              <a:t>The algorithm can be used for BOTH short term and longer term trading </a:t>
+              <a:t>Our algorithm can be used for BOTH short term and longer term trading</a:t>
             </a:r>
           </a:p>
           <a:p>
             <a:r>
               <a:rPr lang="en-US" dirty="0"/>
-              <a:t>Because the RF returns daily closing estimates accurately it can be used for day trading </a:t>
+              <a:t>It also posses the ability to update predictions in real-time as the week, month, or year goes on</a:t>
             </a:r>
           </a:p>
           <a:p>
             <a:r>
               <a:rPr lang="en-US" dirty="0"/>
-              <a:t>LSTM can be used for longer term trading due to its more accurate prediction scheme. </a:t>
-            </a:r>
+              <a:t>Since our product is versatile, each option could be viable. However, in a general sense, 3M is the best option because the Random Forest was the most accurate for them. We believe that the higher accuracy is the most important factor in determining the investment, because then we can be confident in what will happen to </a:t>
+            </a:r>
+            <a:r>
+              <a:rPr lang="en-US"/>
+              <a:t>our investment.</a:t>
+            </a:r>
+            <a:endParaRPr lang="en-US" dirty="0"/>
           </a:p>
         </p:txBody>
       </p:sp>
